--- a/210528_5기_구미_2반_관통PJT_최영수_유보람.pptx
+++ b/210528_5기_구미_2반_관통PJT_최영수_유보람.pptx
@@ -1,8 +1,8 @@
 
 <file path=ppt/presentation.xml><?xml version="1.0" encoding="utf-8"?>
-<p:presentation xmlns:r="http://schemas.openxmlformats.org/officeDocument/2006/relationships" xmlns:c="http://schemas.openxmlformats.org/drawingml/2006/chart" xmlns:a="http://schemas.openxmlformats.org/drawingml/2006/main" xmlns:dgm="http://schemas.openxmlformats.org/drawingml/2006/diagram" xmlns:dsp="http://schemas.microsoft.com/office/drawing/2008/diagram" xmlns:p="http://schemas.openxmlformats.org/presentationml/2006/main" saveSubsetFonts="1">
+<p:presentation xmlns:a="http://schemas.openxmlformats.org/drawingml/2006/main" xmlns:r="http://schemas.openxmlformats.org/officeDocument/2006/relationships" xmlns:p="http://schemas.openxmlformats.org/presentationml/2006/main" saveSubsetFonts="1">
   <p:sldMasterIdLst>
-    <p:sldMasterId id="2147483660" r:id="rId1"/>
+    <p:sldMasterId id="2147483648" r:id="rId1"/>
   </p:sldMasterIdLst>
   <p:sldIdLst>
     <p:sldId id="256" r:id="rId2"/>
@@ -115,6 +115,11 @@
       </a:defRPr>
     </a:lvl9pPr>
   </p:defaultTextStyle>
+  <p:extLst>
+    <p:ext uri="{EFAFB233-063F-42B5-8137-9DF3F51BA10A}">
+      <p15:sldGuideLst xmlns:p15="http://schemas.microsoft.com/office/powerpoint/2012/main"/>
+    </p:ext>
+  </p:extLst>
 </p:presentation>
 </file>
 
@@ -3245,13 +3250,14 @@
 </file>
 
 <file path=ppt/slides/slide10.xml><?xml version="1.0" encoding="utf-8"?>
-<p:sld xmlns:r="http://schemas.openxmlformats.org/officeDocument/2006/relationships" xmlns:c="http://schemas.openxmlformats.org/drawingml/2006/chart" xmlns:a="http://schemas.openxmlformats.org/drawingml/2006/main" xmlns:dgm="http://schemas.openxmlformats.org/drawingml/2006/diagram" xmlns:dsp="http://schemas.microsoft.com/office/drawing/2008/diagram" xmlns:p="http://schemas.openxmlformats.org/presentationml/2006/main">
+<p:sld xmlns:a="http://schemas.openxmlformats.org/drawingml/2006/main" xmlns:r="http://schemas.openxmlformats.org/officeDocument/2006/relationships" xmlns:p="http://schemas.openxmlformats.org/presentationml/2006/main">
   <p:cSld name="Slide 10">
     <p:bg>
-      <p:bgPr shadeToTitle="0">
+      <p:bgPr>
         <a:solidFill>
-          <a:srgbClr val="ffffff"/>
+          <a:srgbClr val="FFFFFF"/>
         </a:solidFill>
+        <a:effectLst/>
       </p:bgPr>
     </p:bg>
     <p:spTree>
@@ -3276,8 +3282,8 @@
           </p:cNvPicPr>
           <p:nvPr/>
         </p:nvPicPr>
-        <p:blipFill rotWithShape="1">
-          <a:blip r:embed="rId2"/>
+        <p:blipFill>
+          <a:blip r:embed="rId2" cstate="print"/>
           <a:stretch>
             <a:fillRect/>
           </a:stretch>
@@ -3299,11 +3305,11 @@
           <p:nvPr/>
         </p:nvGrpSpPr>
         <p:grpSpPr>
-          <a:xfrm rot="0">
-            <a:off x="6934200" y="419100"/>
-            <a:ext cx="327735" cy="854062"/>
+          <a:xfrm>
+            <a:off x="7797509" y="512541"/>
+            <a:ext cx="327736" cy="854062"/>
             <a:chOff x="7797509" y="512541"/>
-            <a:chExt cx="327735" cy="854062"/>
+            <a:chExt cx="327736" cy="854062"/>
           </a:xfrm>
         </p:grpSpPr>
         <p:grpSp>
@@ -3313,7 +3319,7 @@
             <p:nvPr/>
           </p:nvGrpSpPr>
           <p:grpSpPr>
-            <a:xfrm rot="0">
+            <a:xfrm>
               <a:off x="7797509" y="512541"/>
               <a:ext cx="327735" cy="327735"/>
               <a:chOff x="7797509" y="512541"/>
@@ -3328,8 +3334,8 @@
               </p:cNvPicPr>
               <p:nvPr/>
             </p:nvPicPr>
-            <p:blipFill rotWithShape="1">
-              <a:blip r:embed="rId3"/>
+            <p:blipFill>
+              <a:blip r:embed="rId3" cstate="print"/>
               <a:stretch>
                 <a:fillRect/>
               </a:stretch>
@@ -3352,7 +3358,7 @@
             <p:nvPr/>
           </p:nvGrpSpPr>
           <p:grpSpPr>
-            <a:xfrm rot="0">
+            <a:xfrm>
               <a:off x="7797509" y="1038868"/>
               <a:ext cx="327735" cy="327735"/>
               <a:chOff x="7797509" y="1038868"/>
@@ -3367,8 +3373,8 @@
               </p:cNvPicPr>
               <p:nvPr/>
             </p:nvPicPr>
-            <p:blipFill rotWithShape="1">
-              <a:blip r:embed="rId4"/>
+            <p:blipFill>
+              <a:blip r:embed="rId4" cstate="print"/>
               <a:stretch>
                 <a:fillRect/>
               </a:stretch>
@@ -3393,15 +3399,15 @@
           </p:cNvPicPr>
           <p:nvPr/>
         </p:nvPicPr>
-        <p:blipFill rotWithShape="1">
-          <a:blip r:embed="rId5"/>
+        <p:blipFill>
+          <a:blip r:embed="rId5" cstate="print"/>
           <a:stretch>
             <a:fillRect/>
           </a:stretch>
         </p:blipFill>
         <p:spPr>
           <a:xfrm>
-            <a:off x="914400" y="952500"/>
+            <a:off x="616928" y="1185711"/>
             <a:ext cx="9648654" cy="6586195"/>
           </a:xfrm>
           <a:prstGeom prst="rect">
@@ -3417,16 +3423,16 @@
           </p:cNvPicPr>
           <p:nvPr/>
         </p:nvPicPr>
-        <p:blipFill rotWithShape="1">
-          <a:blip r:embed="rId6"/>
+        <p:blipFill>
+          <a:blip r:embed="rId6" cstate="print"/>
           <a:stretch>
             <a:fillRect/>
           </a:stretch>
         </p:blipFill>
         <p:spPr>
           <a:xfrm>
-            <a:off x="11125200" y="1638300"/>
-            <a:ext cx="5885022" cy="8113102"/>
+            <a:off x="10551818" y="1849294"/>
+            <a:ext cx="6360547" cy="8159192"/>
           </a:xfrm>
           <a:prstGeom prst="rect">
             <a:avLst/>
@@ -3438,25 +3444,18 @@
   <p:clrMapOvr>
     <a:masterClrMapping/>
   </p:clrMapOvr>
-  <mc:AlternateContent xmlns:mc="http://schemas.openxmlformats.org/markup-compatibility/2006">
-    <mc:Choice xmlns:p14="http://schemas.microsoft.com/office/powerpoint/2010/main" Requires="p14">
-      <p:transition xmlns:mc="http://schemas.openxmlformats.org/markup-compatibility/2006" xmlns:p14="http://schemas.microsoft.com/office/powerpoint/2010/main" mc:Ignorable="p14" p14:dur="500"/>
-    </mc:Choice>
-    <mc:Fallback>
-      <p:transition/>
-    </mc:Fallback>
-  </mc:AlternateContent>
 </p:sld>
 </file>
 
 <file path=ppt/slides/slide11.xml><?xml version="1.0" encoding="utf-8"?>
-<p:sld xmlns:r="http://schemas.openxmlformats.org/officeDocument/2006/relationships" xmlns:c="http://schemas.openxmlformats.org/drawingml/2006/chart" xmlns:a="http://schemas.openxmlformats.org/drawingml/2006/main" xmlns:dgm="http://schemas.openxmlformats.org/drawingml/2006/diagram" xmlns:dsp="http://schemas.microsoft.com/office/drawing/2008/diagram" xmlns:p="http://schemas.openxmlformats.org/presentationml/2006/main">
+<p:sld xmlns:a="http://schemas.openxmlformats.org/drawingml/2006/main" xmlns:r="http://schemas.openxmlformats.org/officeDocument/2006/relationships" xmlns:p="http://schemas.openxmlformats.org/presentationml/2006/main">
   <p:cSld name="Slide 11">
     <p:bg>
-      <p:bgPr shadeToTitle="0">
+      <p:bgPr>
         <a:solidFill>
-          <a:srgbClr val="ffffff"/>
+          <a:srgbClr val="FFFFFF"/>
         </a:solidFill>
+        <a:effectLst/>
       </p:bgPr>
     </p:bg>
     <p:spTree>
@@ -3481,15 +3480,15 @@
           </p:cNvPicPr>
           <p:nvPr/>
         </p:nvPicPr>
-        <p:blipFill rotWithShape="1">
-          <a:blip r:embed="rId2"/>
+        <p:blipFill>
+          <a:blip r:embed="rId2" cstate="print"/>
           <a:stretch>
             <a:fillRect/>
           </a:stretch>
         </p:blipFill>
         <p:spPr>
           <a:xfrm>
-            <a:off x="795850" y="342900"/>
+            <a:off x="795850" y="227225"/>
             <a:ext cx="5659682" cy="953861"/>
           </a:xfrm>
           <a:prstGeom prst="rect">
@@ -3504,10 +3503,10 @@
           <p:nvPr/>
         </p:nvGrpSpPr>
         <p:grpSpPr>
-          <a:xfrm rot="0">
-            <a:off x="874552" y="1943100"/>
+          <a:xfrm>
+            <a:off x="251577" y="2052688"/>
             <a:ext cx="8346934" cy="2303040"/>
-            <a:chOff x="874552" y="1218906"/>
+            <a:chOff x="251577" y="2052688"/>
             <a:chExt cx="8346934" cy="2303040"/>
           </a:xfrm>
         </p:grpSpPr>
@@ -3519,15 +3518,15 @@
             </p:cNvPicPr>
             <p:nvPr/>
           </p:nvPicPr>
-          <p:blipFill rotWithShape="1">
-            <a:blip r:embed="rId3"/>
+          <p:blipFill>
+            <a:blip r:embed="rId3" cstate="print"/>
             <a:stretch>
               <a:fillRect/>
             </a:stretch>
           </p:blipFill>
           <p:spPr>
             <a:xfrm>
-              <a:off x="874552" y="1218906"/>
+              <a:off x="251577" y="2052688"/>
               <a:ext cx="8346934" cy="2303040"/>
             </a:xfrm>
             <a:prstGeom prst="rect">
@@ -3543,11 +3542,11 @@
           <p:nvPr/>
         </p:nvGrpSpPr>
         <p:grpSpPr>
-          <a:xfrm rot="0">
-            <a:off x="874552" y="5038930"/>
-            <a:ext cx="9357417" cy="4515637"/>
-            <a:chOff x="874552" y="4314736"/>
-            <a:chExt cx="9357417" cy="4515637"/>
+          <a:xfrm>
+            <a:off x="8784542" y="2009562"/>
+            <a:ext cx="8868648" cy="4515637"/>
+            <a:chOff x="8784542" y="2009562"/>
+            <a:chExt cx="8868648" cy="4515637"/>
           </a:xfrm>
         </p:grpSpPr>
         <p:pic>
@@ -3558,16 +3557,16 @@
             </p:cNvPicPr>
             <p:nvPr/>
           </p:nvPicPr>
-          <p:blipFill rotWithShape="1">
-            <a:blip r:embed="rId4"/>
+          <p:blipFill>
+            <a:blip r:embed="rId4" cstate="print"/>
             <a:stretch>
               <a:fillRect/>
             </a:stretch>
           </p:blipFill>
           <p:spPr>
             <a:xfrm>
-              <a:off x="874552" y="4314736"/>
-              <a:ext cx="9357417" cy="4515637"/>
+              <a:off x="8784542" y="2009562"/>
+              <a:ext cx="8868648" cy="4515637"/>
             </a:xfrm>
             <a:prstGeom prst="rect">
               <a:avLst/>
@@ -3582,10 +3581,10 @@
           <p:nvPr/>
         </p:nvGrpSpPr>
         <p:grpSpPr>
-          <a:xfrm rot="0">
-            <a:off x="9642571" y="1949885"/>
+          <a:xfrm>
+            <a:off x="8784542" y="6816939"/>
             <a:ext cx="7647256" cy="2296255"/>
-            <a:chOff x="9642571" y="1225691"/>
+            <a:chOff x="8784542" y="6816939"/>
             <a:chExt cx="7647256" cy="2296255"/>
           </a:xfrm>
         </p:grpSpPr>
@@ -3597,15 +3596,15 @@
             </p:cNvPicPr>
             <p:nvPr/>
           </p:nvPicPr>
-          <p:blipFill rotWithShape="1">
-            <a:blip r:embed="rId5"/>
+          <p:blipFill>
+            <a:blip r:embed="rId5" cstate="print"/>
             <a:stretch>
               <a:fillRect/>
             </a:stretch>
           </p:blipFill>
           <p:spPr>
             <a:xfrm>
-              <a:off x="9642571" y="1225691"/>
+              <a:off x="8784542" y="6816939"/>
               <a:ext cx="7647256" cy="2296255"/>
             </a:xfrm>
             <a:prstGeom prst="rect">
@@ -3619,14 +3618,6 @@
   <p:clrMapOvr>
     <a:masterClrMapping/>
   </p:clrMapOvr>
-  <mc:AlternateContent xmlns:mc="http://schemas.openxmlformats.org/markup-compatibility/2006">
-    <mc:Choice xmlns:p14="http://schemas.microsoft.com/office/powerpoint/2010/main" Requires="p14">
-      <p:transition xmlns:mc="http://schemas.openxmlformats.org/markup-compatibility/2006" xmlns:p14="http://schemas.microsoft.com/office/powerpoint/2010/main" mc:Ignorable="p14" p14:dur="500"/>
-    </mc:Choice>
-    <mc:Fallback>
-      <p:transition/>
-    </mc:Fallback>
-  </mc:AlternateContent>
 </p:sld>
 </file>
 
@@ -3671,8 +3662,8 @@
         </p:blipFill>
         <p:spPr>
           <a:xfrm>
-            <a:off x="8193019" y="4457160"/>
-            <a:ext cx="2185088" cy="1655513"/>
+            <a:off x="8193022" y="4498546"/>
+            <a:ext cx="2185088" cy="3787331"/>
           </a:xfrm>
           <a:prstGeom prst="rect">
             <a:avLst/>
@@ -3988,13 +3979,14 @@
 </file>
 
 <file path=ppt/slides/slide3.xml><?xml version="1.0" encoding="utf-8"?>
-<p:sld xmlns:r="http://schemas.openxmlformats.org/officeDocument/2006/relationships" xmlns:c="http://schemas.openxmlformats.org/drawingml/2006/chart" xmlns:a="http://schemas.openxmlformats.org/drawingml/2006/main" xmlns:dgm="http://schemas.openxmlformats.org/drawingml/2006/diagram" xmlns:dsp="http://schemas.microsoft.com/office/drawing/2008/diagram" xmlns:p="http://schemas.openxmlformats.org/presentationml/2006/main">
+<p:sld xmlns:a="http://schemas.openxmlformats.org/drawingml/2006/main" xmlns:r="http://schemas.openxmlformats.org/officeDocument/2006/relationships" xmlns:p="http://schemas.openxmlformats.org/presentationml/2006/main">
   <p:cSld name="Slide 3">
     <p:bg>
-      <p:bgPr shadeToTitle="0">
+      <p:bgPr>
         <a:solidFill>
-          <a:srgbClr val="ffffff"/>
+          <a:srgbClr val="FFFFFF"/>
         </a:solidFill>
+        <a:effectLst/>
       </p:bgPr>
     </p:bg>
     <p:spTree>
@@ -4018,7 +4010,7 @@
           <p:nvPr/>
         </p:nvGrpSpPr>
         <p:grpSpPr>
-          <a:xfrm rot="0">
+          <a:xfrm>
             <a:off x="2007295" y="4267608"/>
             <a:ext cx="6681551" cy="6130323"/>
             <a:chOff x="2007295" y="4267608"/>
@@ -4033,8 +4025,8 @@
             </p:cNvPicPr>
             <p:nvPr/>
           </p:nvPicPr>
-          <p:blipFill rotWithShape="1">
-            <a:blip r:embed="rId2"/>
+          <p:blipFill>
+            <a:blip r:embed="rId2" cstate="print"/>
             <a:stretch>
               <a:fillRect/>
             </a:stretch>
@@ -4057,7 +4049,7 @@
           <p:nvPr/>
         </p:nvGrpSpPr>
         <p:grpSpPr>
-          <a:xfrm rot="0">
+          <a:xfrm>
             <a:off x="12823520" y="4784242"/>
             <a:ext cx="6171429" cy="5983899"/>
             <a:chOff x="12823520" y="4784242"/>
@@ -4072,8 +4064,8 @@
             </p:cNvPicPr>
             <p:nvPr/>
           </p:nvPicPr>
-          <p:blipFill rotWithShape="1">
-            <a:blip r:embed="rId3"/>
+          <p:blipFill>
+            <a:blip r:embed="rId3" cstate="print"/>
             <a:stretch>
               <a:fillRect/>
             </a:stretch>
@@ -4097,8 +4089,8 @@
           </p:cNvPicPr>
           <p:nvPr/>
         </p:nvPicPr>
-        <p:blipFill rotWithShape="1">
-          <a:blip r:embed="rId4"/>
+        <p:blipFill>
+          <a:blip r:embed="rId4" cstate="print"/>
           <a:stretch>
             <a:fillRect/>
           </a:stretch>
@@ -4107,6 +4099,30 @@
           <a:xfrm>
             <a:off x="771691" y="523205"/>
             <a:ext cx="11819220" cy="1873423"/>
+          </a:xfrm>
+          <a:prstGeom prst="rect">
+            <a:avLst/>
+          </a:prstGeom>
+        </p:spPr>
+      </p:pic>
+      <p:pic>
+        <p:nvPicPr>
+          <p:cNvPr id="9" name="Object 8"/>
+          <p:cNvPicPr>
+            <a:picLocks noChangeAspect="1"/>
+          </p:cNvPicPr>
+          <p:nvPr/>
+        </p:nvPicPr>
+        <p:blipFill>
+          <a:blip r:embed="rId5" cstate="print"/>
+          <a:stretch>
+            <a:fillRect/>
+          </a:stretch>
+        </p:blipFill>
+        <p:spPr>
+          <a:xfrm>
+            <a:off x="17046668" y="581611"/>
+            <a:ext cx="561838" cy="411418"/>
           </a:xfrm>
           <a:prstGeom prst="rect">
             <a:avLst/>
@@ -4120,7 +4136,7 @@
           <p:nvPr/>
         </p:nvGrpSpPr>
         <p:grpSpPr>
-          <a:xfrm rot="0">
+          <a:xfrm>
             <a:off x="12273954" y="1074211"/>
             <a:ext cx="327736" cy="854062"/>
             <a:chOff x="12273954" y="1074211"/>
@@ -4134,7 +4150,7 @@
             <p:nvPr/>
           </p:nvGrpSpPr>
           <p:grpSpPr>
-            <a:xfrm rot="0">
+            <a:xfrm>
               <a:off x="12273954" y="1074211"/>
               <a:ext cx="327735" cy="327735"/>
               <a:chOff x="12273954" y="1074211"/>
@@ -4149,8 +4165,8 @@
               </p:cNvPicPr>
               <p:nvPr/>
             </p:nvPicPr>
-            <p:blipFill rotWithShape="1">
-              <a:blip r:embed="rId5"/>
+            <p:blipFill>
+              <a:blip r:embed="rId6" cstate="print"/>
               <a:stretch>
                 <a:fillRect/>
               </a:stretch>
@@ -4173,7 +4189,7 @@
             <p:nvPr/>
           </p:nvGrpSpPr>
           <p:grpSpPr>
-            <a:xfrm rot="0">
+            <a:xfrm>
               <a:off x="12273955" y="1600537"/>
               <a:ext cx="327735" cy="327735"/>
               <a:chOff x="12273955" y="1600537"/>
@@ -4188,8 +4204,8 @@
               </p:cNvPicPr>
               <p:nvPr/>
             </p:nvPicPr>
-            <p:blipFill rotWithShape="1">
-              <a:blip r:embed="rId6"/>
+            <p:blipFill>
+              <a:blip r:embed="rId7" cstate="print"/>
               <a:stretch>
                 <a:fillRect/>
               </a:stretch>
@@ -4214,8 +4230,8 @@
           </p:cNvPicPr>
           <p:nvPr/>
         </p:nvPicPr>
-        <p:blipFill rotWithShape="1">
-          <a:blip r:embed="rId7"/>
+        <p:blipFill>
+          <a:blip r:embed="rId8" cstate="print"/>
           <a:stretch>
             <a:fillRect/>
           </a:stretch>
@@ -4238,8 +4254,8 @@
           </p:cNvPicPr>
           <p:nvPr/>
         </p:nvPicPr>
-        <p:blipFill rotWithShape="1">
-          <a:blip r:embed="rId8"/>
+        <p:blipFill>
+          <a:blip r:embed="rId9" cstate="print"/>
           <a:stretch>
             <a:fillRect/>
           </a:stretch>
@@ -4262,8 +4278,8 @@
           </p:cNvPicPr>
           <p:nvPr/>
         </p:nvPicPr>
-        <p:blipFill rotWithShape="1">
-          <a:blip r:embed="rId9"/>
+        <p:blipFill>
+          <a:blip r:embed="rId10" cstate="print"/>
           <a:stretch>
             <a:fillRect/>
           </a:stretch>
@@ -4286,8 +4302,8 @@
           </p:cNvPicPr>
           <p:nvPr/>
         </p:nvPicPr>
-        <p:blipFill rotWithShape="1">
-          <a:blip r:embed="rId10"/>
+        <p:blipFill>
+          <a:blip r:embed="rId11" cstate="print"/>
           <a:stretch>
             <a:fillRect/>
           </a:stretch>
@@ -4310,8 +4326,8 @@
           </p:cNvPicPr>
           <p:nvPr/>
         </p:nvPicPr>
-        <p:blipFill rotWithShape="1">
-          <a:blip r:embed="rId11"/>
+        <p:blipFill>
+          <a:blip r:embed="rId12" cstate="print"/>
           <a:stretch>
             <a:fillRect/>
           </a:stretch>
@@ -4331,25 +4347,18 @@
   <p:clrMapOvr>
     <a:masterClrMapping/>
   </p:clrMapOvr>
-  <mc:AlternateContent xmlns:mc="http://schemas.openxmlformats.org/markup-compatibility/2006">
-    <mc:Choice xmlns:p14="http://schemas.microsoft.com/office/powerpoint/2010/main" Requires="p14">
-      <p:transition xmlns:mc="http://schemas.openxmlformats.org/markup-compatibility/2006" xmlns:p14="http://schemas.microsoft.com/office/powerpoint/2010/main" mc:Ignorable="p14" p14:dur="500"/>
-    </mc:Choice>
-    <mc:Fallback>
-      <p:transition/>
-    </mc:Fallback>
-  </mc:AlternateContent>
 </p:sld>
 </file>
 
 <file path=ppt/slides/slide4.xml><?xml version="1.0" encoding="utf-8"?>
-<p:sld xmlns:r="http://schemas.openxmlformats.org/officeDocument/2006/relationships" xmlns:c="http://schemas.openxmlformats.org/drawingml/2006/chart" xmlns:a="http://schemas.openxmlformats.org/drawingml/2006/main" xmlns:dgm="http://schemas.openxmlformats.org/drawingml/2006/diagram" xmlns:dsp="http://schemas.microsoft.com/office/drawing/2008/diagram" xmlns:p="http://schemas.openxmlformats.org/presentationml/2006/main">
+<p:sld xmlns:a="http://schemas.openxmlformats.org/drawingml/2006/main" xmlns:r="http://schemas.openxmlformats.org/officeDocument/2006/relationships" xmlns:p="http://schemas.openxmlformats.org/presentationml/2006/main">
   <p:cSld name="Slide 4">
     <p:bg>
-      <p:bgPr shadeToTitle="0">
+      <p:bgPr>
         <a:solidFill>
-          <a:srgbClr val="ffffff"/>
+          <a:srgbClr val="FFFFFF"/>
         </a:solidFill>
+        <a:effectLst/>
       </p:bgPr>
     </p:bg>
     <p:spTree>
@@ -4374,8 +4383,8 @@
           </p:cNvPicPr>
           <p:nvPr/>
         </p:nvPicPr>
-        <p:blipFill rotWithShape="1">
-          <a:blip r:embed="rId2"/>
+        <p:blipFill>
+          <a:blip r:embed="rId2" cstate="print"/>
           <a:stretch>
             <a:fillRect/>
           </a:stretch>
@@ -4384,6 +4393,30 @@
           <a:xfrm>
             <a:off x="783051" y="953613"/>
             <a:ext cx="4235628" cy="1749645"/>
+          </a:xfrm>
+          <a:prstGeom prst="rect">
+            <a:avLst/>
+          </a:prstGeom>
+        </p:spPr>
+      </p:pic>
+      <p:pic>
+        <p:nvPicPr>
+          <p:cNvPr id="3" name="Object 2"/>
+          <p:cNvPicPr>
+            <a:picLocks noChangeAspect="1"/>
+          </p:cNvPicPr>
+          <p:nvPr/>
+        </p:nvPicPr>
+        <p:blipFill>
+          <a:blip r:embed="rId3" cstate="print"/>
+          <a:stretch>
+            <a:fillRect/>
+          </a:stretch>
+        </p:blipFill>
+        <p:spPr>
+          <a:xfrm>
+            <a:off x="17046668" y="581611"/>
+            <a:ext cx="561838" cy="411418"/>
           </a:xfrm>
           <a:prstGeom prst="rect">
             <a:avLst/>
@@ -4397,7 +4430,7 @@
           <p:nvPr/>
         </p:nvGrpSpPr>
         <p:grpSpPr>
-          <a:xfrm rot="0">
+          <a:xfrm>
             <a:off x="4820061" y="1461530"/>
             <a:ext cx="327736" cy="854062"/>
             <a:chOff x="4820061" y="1461530"/>
@@ -4411,7 +4444,7 @@
             <p:nvPr/>
           </p:nvGrpSpPr>
           <p:grpSpPr>
-            <a:xfrm rot="0">
+            <a:xfrm>
               <a:off x="4820061" y="1461530"/>
               <a:ext cx="327735" cy="327735"/>
               <a:chOff x="4820061" y="1461530"/>
@@ -4426,8 +4459,8 @@
               </p:cNvPicPr>
               <p:nvPr/>
             </p:nvPicPr>
-            <p:blipFill rotWithShape="1">
-              <a:blip r:embed="rId3"/>
+            <p:blipFill>
+              <a:blip r:embed="rId4" cstate="print"/>
               <a:stretch>
                 <a:fillRect/>
               </a:stretch>
@@ -4450,7 +4483,7 @@
             <p:nvPr/>
           </p:nvGrpSpPr>
           <p:grpSpPr>
-            <a:xfrm rot="0">
+            <a:xfrm>
               <a:off x="4820061" y="1987856"/>
               <a:ext cx="327735" cy="327735"/>
               <a:chOff x="4820061" y="1987856"/>
@@ -4465,8 +4498,8 @@
               </p:cNvPicPr>
               <p:nvPr/>
             </p:nvPicPr>
-            <p:blipFill rotWithShape="1">
-              <a:blip r:embed="rId4"/>
+            <p:blipFill>
+              <a:blip r:embed="rId5" cstate="print"/>
               <a:stretch>
                 <a:fillRect/>
               </a:stretch>
@@ -4491,8 +4524,8 @@
           </p:cNvPicPr>
           <p:nvPr/>
         </p:nvPicPr>
-        <p:blipFill rotWithShape="1">
-          <a:blip r:embed="rId5"/>
+        <p:blipFill>
+          <a:blip r:embed="rId6" cstate="print"/>
           <a:stretch>
             <a:fillRect/>
           </a:stretch>
@@ -4515,8 +4548,8 @@
           </p:cNvPicPr>
           <p:nvPr/>
         </p:nvPicPr>
-        <p:blipFill rotWithShape="1">
-          <a:blip r:embed="rId6"/>
+        <p:blipFill>
+          <a:blip r:embed="rId7" cstate="print"/>
           <a:stretch>
             <a:fillRect/>
           </a:stretch>
@@ -4536,14 +4569,6 @@
   <p:clrMapOvr>
     <a:masterClrMapping/>
   </p:clrMapOvr>
-  <mc:AlternateContent xmlns:mc="http://schemas.openxmlformats.org/markup-compatibility/2006">
-    <mc:Choice xmlns:p14="http://schemas.microsoft.com/office/powerpoint/2010/main" Requires="p14">
-      <p:transition xmlns:mc="http://schemas.openxmlformats.org/markup-compatibility/2006" xmlns:p14="http://schemas.microsoft.com/office/powerpoint/2010/main" mc:Ignorable="p14" p14:dur="500"/>
-    </mc:Choice>
-    <mc:Fallback>
-      <p:transition/>
-    </mc:Fallback>
-  </mc:AlternateContent>
 </p:sld>
 </file>
 
@@ -5028,41 +5053,41 @@
 </file>
 
 <file path=ppt/theme/theme1.xml><?xml version="1.0" encoding="utf-8"?>
-<a:theme xmlns:r="http://schemas.openxmlformats.org/officeDocument/2006/relationships" xmlns:c="http://schemas.openxmlformats.org/drawingml/2006/chart" xmlns:dgm="http://schemas.openxmlformats.org/drawingml/2006/diagram" xmlns:dsp="http://schemas.microsoft.com/office/drawing/2008/diagram" xmlns:a="http://schemas.openxmlformats.org/drawingml/2006/main" xmlns:pic="http://schemas.openxmlformats.org/drawingml/2006/picture" xmlns:wp="http://schemas.openxmlformats.org/drawingml/2006/wordprocessingDrawing" xmlns:xdr="http://schemas.openxmlformats.org/drawingml/2006/spreadsheetDrawing" xmlns:p="http://schemas.openxmlformats.org/presentationml/2006/main" name="Office Theme">
+<a:theme xmlns:a="http://schemas.openxmlformats.org/drawingml/2006/main" name="Office Theme">
   <a:themeElements>
     <a:clrScheme name="Office">
       <a:dk1>
         <a:sysClr val="windowText" lastClr="000000"/>
       </a:dk1>
       <a:lt1>
-        <a:sysClr val="window" lastClr="ffffff"/>
+        <a:sysClr val="window" lastClr="FFFFFF"/>
       </a:lt1>
       <a:dk2>
-        <a:srgbClr val="1f497d"/>
+        <a:srgbClr val="1F497D"/>
       </a:dk2>
       <a:lt2>
-        <a:srgbClr val="eeece1"/>
+        <a:srgbClr val="EEECE1"/>
       </a:lt2>
       <a:accent1>
-        <a:srgbClr val="4f81bd"/>
+        <a:srgbClr val="4F81BD"/>
       </a:accent1>
       <a:accent2>
-        <a:srgbClr val="c0504d"/>
+        <a:srgbClr val="C0504D"/>
       </a:accent2>
       <a:accent3>
-        <a:srgbClr val="9bbb59"/>
+        <a:srgbClr val="9BBB59"/>
       </a:accent3>
       <a:accent4>
-        <a:srgbClr val="8064a2"/>
+        <a:srgbClr val="8064A2"/>
       </a:accent4>
       <a:accent5>
-        <a:srgbClr val="4bacc6"/>
+        <a:srgbClr val="4BACC6"/>
       </a:accent5>
       <a:accent6>
-        <a:srgbClr val="f79646"/>
+        <a:srgbClr val="F79646"/>
       </a:accent6>
       <a:hlink>
-        <a:srgbClr val="0000ff"/>
+        <a:srgbClr val="0000FF"/>
       </a:hlink>
       <a:folHlink>
         <a:srgbClr val="800080"/>
@@ -5305,5 +5330,7 @@
       </a:bgFillStyleLst>
     </a:fmtScheme>
   </a:themeElements>
+  <a:objectDefaults/>
+  <a:extraClrSchemeLst/>
 </a:theme>
 </file>